--- a/Lecture/wk3.pptx
+++ b/Lecture/wk3.pptx
@@ -283,7 +283,7 @@
           <a:p>
             <a:fld id="{84BB3998-985A-4D94-B13E-1B64131194E0}" type="datetimeFigureOut">
               <a:rPr lang="en-US" smtClean="0"/>
-              <a:t>1/21/2020</a:t>
+              <a:t>2/8/21</a:t>
             </a:fld>
             <a:endParaRPr lang="en-US"/>
           </a:p>
@@ -481,7 +481,7 @@
           <a:p>
             <a:fld id="{84BB3998-985A-4D94-B13E-1B64131194E0}" type="datetimeFigureOut">
               <a:rPr lang="en-US" smtClean="0"/>
-              <a:t>1/21/2020</a:t>
+              <a:t>2/8/21</a:t>
             </a:fld>
             <a:endParaRPr lang="en-US"/>
           </a:p>
@@ -689,7 +689,7 @@
           <a:p>
             <a:fld id="{84BB3998-985A-4D94-B13E-1B64131194E0}" type="datetimeFigureOut">
               <a:rPr lang="en-US" smtClean="0"/>
-              <a:t>1/21/2020</a:t>
+              <a:t>2/8/21</a:t>
             </a:fld>
             <a:endParaRPr lang="en-US"/>
           </a:p>
@@ -887,7 +887,7 @@
           <a:p>
             <a:fld id="{84BB3998-985A-4D94-B13E-1B64131194E0}" type="datetimeFigureOut">
               <a:rPr lang="en-US" smtClean="0"/>
-              <a:t>1/21/2020</a:t>
+              <a:t>2/8/21</a:t>
             </a:fld>
             <a:endParaRPr lang="en-US"/>
           </a:p>
@@ -1162,7 +1162,7 @@
           <a:p>
             <a:fld id="{84BB3998-985A-4D94-B13E-1B64131194E0}" type="datetimeFigureOut">
               <a:rPr lang="en-US" smtClean="0"/>
-              <a:t>1/21/2020</a:t>
+              <a:t>2/8/21</a:t>
             </a:fld>
             <a:endParaRPr lang="en-US"/>
           </a:p>
@@ -1427,7 +1427,7 @@
           <a:p>
             <a:fld id="{84BB3998-985A-4D94-B13E-1B64131194E0}" type="datetimeFigureOut">
               <a:rPr lang="en-US" smtClean="0"/>
-              <a:t>1/21/2020</a:t>
+              <a:t>2/8/21</a:t>
             </a:fld>
             <a:endParaRPr lang="en-US"/>
           </a:p>
@@ -1839,7 +1839,7 @@
           <a:p>
             <a:fld id="{84BB3998-985A-4D94-B13E-1B64131194E0}" type="datetimeFigureOut">
               <a:rPr lang="en-US" smtClean="0"/>
-              <a:t>1/21/2020</a:t>
+              <a:t>2/8/21</a:t>
             </a:fld>
             <a:endParaRPr lang="en-US"/>
           </a:p>
@@ -1980,7 +1980,7 @@
           <a:p>
             <a:fld id="{84BB3998-985A-4D94-B13E-1B64131194E0}" type="datetimeFigureOut">
               <a:rPr lang="en-US" smtClean="0"/>
-              <a:t>1/21/2020</a:t>
+              <a:t>2/8/21</a:t>
             </a:fld>
             <a:endParaRPr lang="en-US"/>
           </a:p>
@@ -2093,7 +2093,7 @@
           <a:p>
             <a:fld id="{84BB3998-985A-4D94-B13E-1B64131194E0}" type="datetimeFigureOut">
               <a:rPr lang="en-US" smtClean="0"/>
-              <a:t>1/21/2020</a:t>
+              <a:t>2/8/21</a:t>
             </a:fld>
             <a:endParaRPr lang="en-US"/>
           </a:p>
@@ -2404,7 +2404,7 @@
           <a:p>
             <a:fld id="{84BB3998-985A-4D94-B13E-1B64131194E0}" type="datetimeFigureOut">
               <a:rPr lang="en-US" smtClean="0"/>
-              <a:t>1/21/2020</a:t>
+              <a:t>2/8/21</a:t>
             </a:fld>
             <a:endParaRPr lang="en-US"/>
           </a:p>
@@ -2692,7 +2692,7 @@
           <a:p>
             <a:fld id="{84BB3998-985A-4D94-B13E-1B64131194E0}" type="datetimeFigureOut">
               <a:rPr lang="en-US" smtClean="0"/>
-              <a:t>1/21/2020</a:t>
+              <a:t>2/8/21</a:t>
             </a:fld>
             <a:endParaRPr lang="en-US"/>
           </a:p>
@@ -2933,7 +2933,7 @@
           <a:p>
             <a:fld id="{84BB3998-985A-4D94-B13E-1B64131194E0}" type="datetimeFigureOut">
               <a:rPr lang="en-US" smtClean="0"/>
-              <a:t>1/21/2020</a:t>
+              <a:t>2/8/21</a:t>
             </a:fld>
             <a:endParaRPr lang="en-US"/>
           </a:p>
@@ -3476,7 +3476,15 @@
           <a:p>
             <a:r>
               <a:rPr lang="en-US" dirty="0"/>
-              <a:t>Network Sniffing: Active Sniffing</a:t>
+              <a:t>Network Sniffing: </a:t>
+            </a:r>
+            <a:r>
+              <a:rPr lang="en-US" dirty="0">
+                <a:highlight>
+                  <a:srgbClr val="FFFF00"/>
+                </a:highlight>
+              </a:rPr>
+              <a:t>Active Sniffing</a:t>
             </a:r>
           </a:p>
         </p:txBody>
@@ -3505,7 +3513,11 @@
           <a:lstStyle/>
           <a:p>
             <a:r>
-              <a:rPr lang="en-US" dirty="0"/>
+              <a:rPr lang="en-US" dirty="0">
+                <a:highlight>
+                  <a:srgbClr val="FFFF00"/>
+                </a:highlight>
+              </a:rPr>
               <a:t>Traffic is monitored and may be altered</a:t>
             </a:r>
           </a:p>
@@ -3521,20 +3533,44 @@
               <a:t>Injects </a:t>
             </a:r>
             <a:r>
-              <a:rPr lang="en-US" b="1" dirty="0"/>
+              <a:rPr lang="en-US" b="1" dirty="0">
+                <a:highlight>
+                  <a:srgbClr val="FFFF00"/>
+                </a:highlight>
+              </a:rPr>
               <a:t>address resolution packets</a:t>
             </a:r>
             <a:r>
-              <a:rPr lang="en-US" dirty="0"/>
-              <a:t> (ARP) into a target network to flood on the switch </a:t>
-            </a:r>
-            <a:r>
-              <a:rPr lang="en-US" b="1" dirty="0"/>
+              <a:rPr lang="en-US" dirty="0">
+                <a:highlight>
+                  <a:srgbClr val="FFFF00"/>
+                </a:highlight>
+              </a:rPr>
+              <a:t> (ARP) </a:t>
+            </a:r>
+            <a:r>
+              <a:rPr lang="en-US" dirty="0"/>
+              <a:t>into a target network to flood on the switch </a:t>
+            </a:r>
+            <a:r>
+              <a:rPr lang="en-US" b="1" dirty="0">
+                <a:highlight>
+                  <a:srgbClr val="FFFF00"/>
+                </a:highlight>
+              </a:rPr>
               <a:t>content addressable memory</a:t>
             </a:r>
             <a:r>
-              <a:rPr lang="en-US" dirty="0"/>
-              <a:t> (CAM) table. </a:t>
+              <a:rPr lang="en-US" dirty="0">
+                <a:highlight>
+                  <a:srgbClr val="FFFF00"/>
+                </a:highlight>
+              </a:rPr>
+              <a:t> (CAM) </a:t>
+            </a:r>
+            <a:r>
+              <a:rPr lang="en-US" dirty="0"/>
+              <a:t>table. </a:t>
             </a:r>
           </a:p>
           <a:p>
@@ -3632,7 +3668,15 @@
           <a:p>
             <a:r>
               <a:rPr lang="en-US" dirty="0"/>
-              <a:t>Active Sniffing Techniques</a:t>
+              <a:t>Active Sniffing </a:t>
+            </a:r>
+            <a:r>
+              <a:rPr lang="en-US" dirty="0">
+                <a:highlight>
+                  <a:srgbClr val="FFFF00"/>
+                </a:highlight>
+              </a:rPr>
+              <a:t>Techniques (4)</a:t>
             </a:r>
           </a:p>
           <a:p>
@@ -3665,8 +3709,16 @@
           </a:p>
           <a:p>
             <a:r>
-              <a:rPr lang="en-US" dirty="0"/>
-              <a:t>Protocols which are affected</a:t>
+              <a:rPr lang="en-US" dirty="0">
+                <a:highlight>
+                  <a:srgbClr val="FFFF00"/>
+                </a:highlight>
+              </a:rPr>
+              <a:t>(4) Protocols </a:t>
+            </a:r>
+            <a:r>
+              <a:rPr lang="en-US" dirty="0"/>
+              <a:t>which are affected</a:t>
             </a:r>
           </a:p>
           <a:p>
@@ -3803,7 +3855,19 @@
             <a:pPr lvl="1"/>
             <a:r>
               <a:rPr lang="en-US" dirty="0"/>
-              <a:t>Various sniffing tools are used to accomplish network sniffing </a:t>
+              <a:t>Various </a:t>
+            </a:r>
+            <a:r>
+              <a:rPr lang="en-US" dirty="0">
+                <a:highlight>
+                  <a:srgbClr val="FFFF00"/>
+                </a:highlight>
+              </a:rPr>
+              <a:t>sniffing tools</a:t>
+            </a:r>
+            <a:r>
+              <a:rPr lang="en-US" dirty="0"/>
+              <a:t> are used to accomplish network sniffing </a:t>
             </a:r>
           </a:p>
           <a:p>
@@ -3998,22 +4062,50 @@
           <a:p>
             <a:pPr lvl="1"/>
             <a:r>
-              <a:rPr lang="en-US" dirty="0"/>
-              <a:t>ARP is acronym </a:t>
-            </a:r>
-          </a:p>
-          <a:p>
-            <a:pPr lvl="1"/>
-            <a:r>
-              <a:rPr lang="en-US" dirty="0"/>
-              <a:t>Runs on data link layer (Layer 2) of the OSI model.</a:t>
-            </a:r>
-          </a:p>
-          <a:p>
-            <a:pPr lvl="1"/>
-            <a:r>
-              <a:rPr lang="en-US" dirty="0"/>
-              <a:t>Purpose is to resolve an IP address to a MAC address</a:t>
+              <a:rPr lang="en-US" dirty="0">
+                <a:highlight>
+                  <a:srgbClr val="FFFF00"/>
+                </a:highlight>
+              </a:rPr>
+              <a:t>ARP</a:t>
+            </a:r>
+            <a:r>
+              <a:rPr lang="en-US" dirty="0"/>
+              <a:t> is acronym </a:t>
+            </a:r>
+          </a:p>
+          <a:p>
+            <a:pPr lvl="1"/>
+            <a:r>
+              <a:rPr lang="en-US" dirty="0"/>
+              <a:t>Runs on </a:t>
+            </a:r>
+            <a:r>
+              <a:rPr lang="en-US" dirty="0">
+                <a:highlight>
+                  <a:srgbClr val="FFFF00"/>
+                </a:highlight>
+              </a:rPr>
+              <a:t>data link layer (Layer 2) </a:t>
+            </a:r>
+            <a:r>
+              <a:rPr lang="en-US" dirty="0"/>
+              <a:t>of the OSI model.</a:t>
+            </a:r>
+          </a:p>
+          <a:p>
+            <a:pPr lvl="1"/>
+            <a:r>
+              <a:rPr lang="en-US" dirty="0"/>
+              <a:t>Purpose is to </a:t>
+            </a:r>
+            <a:r>
+              <a:rPr lang="en-US" dirty="0">
+                <a:highlight>
+                  <a:srgbClr val="FFFF00"/>
+                </a:highlight>
+              </a:rPr>
+              <a:t>resolve an IP address to a MAC address</a:t>
             </a:r>
           </a:p>
           <a:p>
@@ -4549,7 +4641,11 @@
           <a:lstStyle/>
           <a:p>
             <a:r>
-              <a:rPr lang="en-US" dirty="0"/>
+              <a:rPr lang="en-US" dirty="0">
+                <a:highlight>
+                  <a:srgbClr val="FFFF00"/>
+                </a:highlight>
+              </a:rPr>
               <a:t>ARP Poisoning</a:t>
             </a:r>
           </a:p>
@@ -4587,7 +4683,15 @@
             <a:pPr lvl="1"/>
             <a:r>
               <a:rPr lang="en-US" dirty="0"/>
-              <a:t>Also know as ARP Spoofing</a:t>
+              <a:t>Also know as </a:t>
+            </a:r>
+            <a:r>
+              <a:rPr lang="en-US" dirty="0">
+                <a:highlight>
+                  <a:srgbClr val="FFFF00"/>
+                </a:highlight>
+              </a:rPr>
+              <a:t>ARP Spoofing</a:t>
             </a:r>
           </a:p>
           <a:p>
@@ -5030,7 +5134,11 @@
           <a:lstStyle/>
           <a:p>
             <a:r>
-              <a:rPr lang="en-US" dirty="0"/>
+              <a:rPr lang="en-US" dirty="0">
+                <a:highlight>
+                  <a:srgbClr val="FFFF00"/>
+                </a:highlight>
+              </a:rPr>
               <a:t>MAC Address Flooding</a:t>
             </a:r>
           </a:p>
@@ -5067,7 +5175,11 @@
           <a:p>
             <a:pPr lvl="1"/>
             <a:r>
-              <a:rPr lang="en-US" dirty="0"/>
+              <a:rPr lang="en-US" dirty="0">
+                <a:highlight>
+                  <a:srgbClr val="FFFF00"/>
+                </a:highlight>
+              </a:rPr>
               <a:t>Send huge amount of ARP replies to a switch</a:t>
             </a:r>
           </a:p>
@@ -5738,7 +5850,15 @@
             <a:pPr lvl="1"/>
             <a:r>
               <a:rPr lang="en-US" dirty="0"/>
-              <a:t>Process of monitoring and capturing data (packets) of a network</a:t>
+              <a:t>Process of </a:t>
+            </a:r>
+            <a:r>
+              <a:rPr lang="en-US" dirty="0">
+                <a:highlight>
+                  <a:srgbClr val="FFFF00"/>
+                </a:highlight>
+              </a:rPr>
+              <a:t>monitoring and capturing data (packets) of a network</a:t>
             </a:r>
           </a:p>
           <a:p>
@@ -6013,7 +6133,19 @@
             <a:pPr lvl="1"/>
             <a:r>
               <a:rPr lang="en-US" dirty="0"/>
-              <a:t>All data is sent and received on all open ports (traffic broadcasted to all hosts)</a:t>
+              <a:t>All data is sent and received on all open ports (</a:t>
+            </a:r>
+            <a:r>
+              <a:rPr lang="en-US" dirty="0">
+                <a:highlight>
+                  <a:srgbClr val="FFFF00"/>
+                </a:highlight>
+              </a:rPr>
+              <a:t>traffic broadcasted to all hosts</a:t>
+            </a:r>
+            <a:r>
+              <a:rPr lang="en-US" dirty="0"/>
+              <a:t>)</a:t>
             </a:r>
           </a:p>
           <a:p>
@@ -6025,8 +6157,16 @@
           <a:p>
             <a:pPr lvl="1"/>
             <a:r>
-              <a:rPr lang="en-US" dirty="0"/>
-              <a:t>Knows which hosts to send specific message to and does so directly</a:t>
+              <a:rPr lang="en-US" dirty="0">
+                <a:highlight>
+                  <a:srgbClr val="FFFF00"/>
+                </a:highlight>
+              </a:rPr>
+              <a:t>Knows which hosts to send specific message </a:t>
+            </a:r>
+            <a:r>
+              <a:rPr lang="en-US" dirty="0"/>
+              <a:t>to and does so directly</a:t>
             </a:r>
           </a:p>
           <a:p>
@@ -6038,15 +6178,55 @@
           <a:p>
             <a:pPr lvl="1"/>
             <a:r>
-              <a:rPr lang="en-US" dirty="0"/>
-              <a:t>Hub works on the physical layer (Layer 1) of OSI model</a:t>
-            </a:r>
-          </a:p>
-          <a:p>
-            <a:pPr lvl="1"/>
-            <a:r>
-              <a:rPr lang="en-US" dirty="0"/>
-              <a:t>Switch works on the data link layer (Layer 2). </a:t>
+              <a:rPr lang="en-US" dirty="0">
+                <a:highlight>
+                  <a:srgbClr val="FFFF00"/>
+                </a:highlight>
+              </a:rPr>
+              <a:t>Hub</a:t>
+            </a:r>
+            <a:r>
+              <a:rPr lang="en-US" dirty="0"/>
+              <a:t> works on the physical layer (</a:t>
+            </a:r>
+            <a:r>
+              <a:rPr lang="en-US" dirty="0">
+                <a:highlight>
+                  <a:srgbClr val="FFFF00"/>
+                </a:highlight>
+              </a:rPr>
+              <a:t>Layer 1</a:t>
+            </a:r>
+            <a:r>
+              <a:rPr lang="en-US" dirty="0"/>
+              <a:t>) of OSI model</a:t>
+            </a:r>
+          </a:p>
+          <a:p>
+            <a:pPr lvl="1"/>
+            <a:r>
+              <a:rPr lang="en-US" dirty="0">
+                <a:highlight>
+                  <a:srgbClr val="FFFF00"/>
+                </a:highlight>
+              </a:rPr>
+              <a:t>Switch</a:t>
+            </a:r>
+            <a:r>
+              <a:rPr lang="en-US" dirty="0"/>
+              <a:t> works on the data link layer (</a:t>
+            </a:r>
+            <a:r>
+              <a:rPr lang="en-US" dirty="0">
+                <a:highlight>
+                  <a:srgbClr val="FFFF00"/>
+                </a:highlight>
+              </a:rPr>
+              <a:t>Layer 2</a:t>
+            </a:r>
+            <a:r>
+              <a:rPr lang="en-US" dirty="0"/>
+              <a:t>). </a:t>
             </a:r>
           </a:p>
           <a:p>
@@ -6066,13 +6246,25 @@
           <a:p>
             <a:pPr lvl="1"/>
             <a:r>
-              <a:rPr lang="en-US" dirty="0"/>
+              <a:rPr lang="en-US" dirty="0">
+                <a:highlight>
+                  <a:srgbClr val="FFFF00"/>
+                </a:highlight>
+              </a:rPr>
               <a:t>Hub just connects multiple Ethernet devices together as a single segment.</a:t>
             </a:r>
             <a:br>
-              <a:rPr lang="en-US" dirty="0"/>
+              <a:rPr lang="en-US" dirty="0">
+                <a:highlight>
+                  <a:srgbClr val="FFFF00"/>
+                </a:highlight>
+              </a:rPr>
             </a:br>
-            <a:endParaRPr lang="en-US" dirty="0"/>
+            <a:endParaRPr lang="en-US" dirty="0">
+              <a:highlight>
+                <a:srgbClr val="FFFF00"/>
+              </a:highlight>
+            </a:endParaRPr>
           </a:p>
         </p:txBody>
       </p:sp>
@@ -6162,19 +6354,39 @@
               <a:t>Sniffer tools turns the </a:t>
             </a:r>
             <a:r>
-              <a:rPr lang="en-US" b="1" dirty="0"/>
+              <a:rPr lang="en-US" b="1" dirty="0">
+                <a:highlight>
+                  <a:srgbClr val="FFFF00"/>
+                </a:highlight>
+              </a:rPr>
               <a:t>Network Interface Card (NIC)</a:t>
             </a:r>
             <a:r>
-              <a:rPr lang="en-US" dirty="0"/>
-              <a:t> of system to the </a:t>
-            </a:r>
-            <a:r>
-              <a:rPr lang="en-US" b="1" dirty="0"/>
+              <a:rPr lang="en-US" dirty="0">
+                <a:highlight>
+                  <a:srgbClr val="FFFF00"/>
+                </a:highlight>
+              </a:rPr>
+              <a:t> </a:t>
+            </a:r>
+            <a:r>
+              <a:rPr lang="en-US" dirty="0"/>
+              <a:t>of system to the </a:t>
+            </a:r>
+            <a:r>
+              <a:rPr lang="en-US" b="1" dirty="0">
+                <a:highlight>
+                  <a:srgbClr val="FFFF00"/>
+                </a:highlight>
+              </a:rPr>
               <a:t>promiscuous mode</a:t>
             </a:r>
             <a:r>
-              <a:rPr lang="en-US" dirty="0"/>
+              <a:rPr lang="en-US" dirty="0">
+                <a:highlight>
+                  <a:srgbClr val="FFFF00"/>
+                </a:highlight>
+              </a:rPr>
               <a:t> </a:t>
             </a:r>
           </a:p>
@@ -6346,7 +6558,15 @@
           <a:p>
             <a:r>
               <a:rPr lang="en-US" dirty="0"/>
-              <a:t>Network Sniffing: Passive Sniffing</a:t>
+              <a:t>Network Sniffing: </a:t>
+            </a:r>
+            <a:r>
+              <a:rPr lang="en-US" dirty="0">
+                <a:highlight>
+                  <a:srgbClr val="FFFF00"/>
+                </a:highlight>
+              </a:rPr>
+              <a:t>Passive Sniffing</a:t>
             </a:r>
           </a:p>
         </p:txBody>
@@ -6375,7 +6595,11 @@
           <a:lstStyle/>
           <a:p>
             <a:r>
-              <a:rPr lang="en-US" dirty="0"/>
+              <a:rPr lang="en-US" dirty="0">
+                <a:highlight>
+                  <a:srgbClr val="FFFF00"/>
+                </a:highlight>
+              </a:rPr>
               <a:t>Traffic is recorded but not altered</a:t>
             </a:r>
           </a:p>
@@ -6388,8 +6612,16 @@
           </a:p>
           <a:p>
             <a:r>
-              <a:rPr lang="en-US" dirty="0"/>
-              <a:t>Hub devices</a:t>
+              <a:rPr lang="en-US" dirty="0">
+                <a:highlight>
+                  <a:srgbClr val="FFFF00"/>
+                </a:highlight>
+              </a:rPr>
+              <a:t>Hub</a:t>
+            </a:r>
+            <a:r>
+              <a:rPr lang="en-US" dirty="0"/>
+              <a:t> devices</a:t>
             </a:r>
           </a:p>
           <a:p>

--- a/Lecture/wk3.pptx
+++ b/Lecture/wk3.pptx
@@ -283,7 +283,7 @@
           <a:p>
             <a:fld id="{84BB3998-985A-4D94-B13E-1B64131194E0}" type="datetimeFigureOut">
               <a:rPr lang="en-US" smtClean="0"/>
-              <a:t>2/8/21</a:t>
+              <a:t>2/21/21</a:t>
             </a:fld>
             <a:endParaRPr lang="en-US"/>
           </a:p>
@@ -481,7 +481,7 @@
           <a:p>
             <a:fld id="{84BB3998-985A-4D94-B13E-1B64131194E0}" type="datetimeFigureOut">
               <a:rPr lang="en-US" smtClean="0"/>
-              <a:t>2/8/21</a:t>
+              <a:t>2/21/21</a:t>
             </a:fld>
             <a:endParaRPr lang="en-US"/>
           </a:p>
@@ -689,7 +689,7 @@
           <a:p>
             <a:fld id="{84BB3998-985A-4D94-B13E-1B64131194E0}" type="datetimeFigureOut">
               <a:rPr lang="en-US" smtClean="0"/>
-              <a:t>2/8/21</a:t>
+              <a:t>2/21/21</a:t>
             </a:fld>
             <a:endParaRPr lang="en-US"/>
           </a:p>
@@ -887,7 +887,7 @@
           <a:p>
             <a:fld id="{84BB3998-985A-4D94-B13E-1B64131194E0}" type="datetimeFigureOut">
               <a:rPr lang="en-US" smtClean="0"/>
-              <a:t>2/8/21</a:t>
+              <a:t>2/21/21</a:t>
             </a:fld>
             <a:endParaRPr lang="en-US"/>
           </a:p>
@@ -1162,7 +1162,7 @@
           <a:p>
             <a:fld id="{84BB3998-985A-4D94-B13E-1B64131194E0}" type="datetimeFigureOut">
               <a:rPr lang="en-US" smtClean="0"/>
-              <a:t>2/8/21</a:t>
+              <a:t>2/21/21</a:t>
             </a:fld>
             <a:endParaRPr lang="en-US"/>
           </a:p>
@@ -1427,7 +1427,7 @@
           <a:p>
             <a:fld id="{84BB3998-985A-4D94-B13E-1B64131194E0}" type="datetimeFigureOut">
               <a:rPr lang="en-US" smtClean="0"/>
-              <a:t>2/8/21</a:t>
+              <a:t>2/21/21</a:t>
             </a:fld>
             <a:endParaRPr lang="en-US"/>
           </a:p>
@@ -1839,7 +1839,7 @@
           <a:p>
             <a:fld id="{84BB3998-985A-4D94-B13E-1B64131194E0}" type="datetimeFigureOut">
               <a:rPr lang="en-US" smtClean="0"/>
-              <a:t>2/8/21</a:t>
+              <a:t>2/21/21</a:t>
             </a:fld>
             <a:endParaRPr lang="en-US"/>
           </a:p>
@@ -1980,7 +1980,7 @@
           <a:p>
             <a:fld id="{84BB3998-985A-4D94-B13E-1B64131194E0}" type="datetimeFigureOut">
               <a:rPr lang="en-US" smtClean="0"/>
-              <a:t>2/8/21</a:t>
+              <a:t>2/21/21</a:t>
             </a:fld>
             <a:endParaRPr lang="en-US"/>
           </a:p>
@@ -2093,7 +2093,7 @@
           <a:p>
             <a:fld id="{84BB3998-985A-4D94-B13E-1B64131194E0}" type="datetimeFigureOut">
               <a:rPr lang="en-US" smtClean="0"/>
-              <a:t>2/8/21</a:t>
+              <a:t>2/21/21</a:t>
             </a:fld>
             <a:endParaRPr lang="en-US"/>
           </a:p>
@@ -2404,7 +2404,7 @@
           <a:p>
             <a:fld id="{84BB3998-985A-4D94-B13E-1B64131194E0}" type="datetimeFigureOut">
               <a:rPr lang="en-US" smtClean="0"/>
-              <a:t>2/8/21</a:t>
+              <a:t>2/21/21</a:t>
             </a:fld>
             <a:endParaRPr lang="en-US"/>
           </a:p>
@@ -2692,7 +2692,7 @@
           <a:p>
             <a:fld id="{84BB3998-985A-4D94-B13E-1B64131194E0}" type="datetimeFigureOut">
               <a:rPr lang="en-US" smtClean="0"/>
-              <a:t>2/8/21</a:t>
+              <a:t>2/21/21</a:t>
             </a:fld>
             <a:endParaRPr lang="en-US"/>
           </a:p>
@@ -2933,7 +2933,7 @@
           <a:p>
             <a:fld id="{84BB3998-985A-4D94-B13E-1B64131194E0}" type="datetimeFigureOut">
               <a:rPr lang="en-US" smtClean="0"/>
-              <a:t>2/8/21</a:t>
+              <a:t>2/21/21</a:t>
             </a:fld>
             <a:endParaRPr lang="en-US"/>
           </a:p>
@@ -4356,18 +4356,30 @@
           </a:p>
           <a:p>
             <a:r>
-              <a:rPr lang="en-US" dirty="0"/>
+              <a:rPr lang="en-US" dirty="0">
+                <a:highlight>
+                  <a:srgbClr val="FFFF00"/>
+                </a:highlight>
+              </a:rPr>
               <a:t>Command to view ARP table</a:t>
             </a:r>
           </a:p>
           <a:p>
             <a:pPr lvl="1"/>
             <a:r>
-              <a:rPr lang="en-US" dirty="0" err="1"/>
+              <a:rPr lang="en-US" dirty="0" err="1">
+                <a:highlight>
+                  <a:srgbClr val="FFFF00"/>
+                </a:highlight>
+              </a:rPr>
               <a:t>arp</a:t>
             </a:r>
             <a:r>
-              <a:rPr lang="en-US" dirty="0"/>
+              <a:rPr lang="en-US" dirty="0">
+                <a:highlight>
+                  <a:srgbClr val="FFFF00"/>
+                </a:highlight>
+              </a:rPr>
               <a:t> -a</a:t>
             </a:r>
           </a:p>
@@ -5337,7 +5349,15 @@
             <a:pPr lvl="2"/>
             <a:r>
               <a:rPr lang="en-US" dirty="0"/>
-              <a:t>Cisco = Dynamic ARP Inspection (DAI)</a:t>
+              <a:t>Cisco = </a:t>
+            </a:r>
+            <a:r>
+              <a:rPr lang="en-US" dirty="0">
+                <a:highlight>
+                  <a:srgbClr val="FFFF00"/>
+                </a:highlight>
+              </a:rPr>
+              <a:t>Dynamic ARP Inspection (DAI)</a:t>
             </a:r>
           </a:p>
           <a:p>
